--- a/doc/Report.pptx
+++ b/doc/Report.pptx
@@ -7,8 +7,7 @@
   <p:sldIdLst>
     <p:sldId id="256" r:id="rId2"/>
     <p:sldId id="258" r:id="rId3"/>
-    <p:sldId id="259" r:id="rId4"/>
-    <p:sldId id="260" r:id="rId5"/>
+    <p:sldId id="260" r:id="rId4"/>
   </p:sldIdLst>
   <p:sldSz cx="12192000" cy="6858000"/>
   <p:notesSz cx="6858000" cy="9144000"/>
@@ -107,6 +106,11 @@
       </a:defRPr>
     </a:lvl9pPr>
   </p:defaultTextStyle>
+  <p:extLst>
+    <p:ext uri="{EFAFB233-063F-42B5-8137-9DF3F51BA10A}">
+      <p15:sldGuideLst xmlns:p15="http://schemas.microsoft.com/office/powerpoint/2012/main"/>
+    </p:ext>
+  </p:extLst>
 </p:presentation>
 </file>
 
@@ -257,7 +261,7 @@
           <a:p>
             <a:fld id="{96E9B245-2076-40CB-ACDE-D58775C98695}" type="datetimeFigureOut">
               <a:rPr lang="ko-KR" altLang="en-US" smtClean="0"/>
-              <a:t>2020-11-16</a:t>
+              <a:t>2020-11-22</a:t>
             </a:fld>
             <a:endParaRPr lang="ko-KR" altLang="en-US"/>
           </a:p>
@@ -455,7 +459,7 @@
           <a:p>
             <a:fld id="{96E9B245-2076-40CB-ACDE-D58775C98695}" type="datetimeFigureOut">
               <a:rPr lang="ko-KR" altLang="en-US" smtClean="0"/>
-              <a:t>2020-11-16</a:t>
+              <a:t>2020-11-22</a:t>
             </a:fld>
             <a:endParaRPr lang="ko-KR" altLang="en-US"/>
           </a:p>
@@ -663,7 +667,7 @@
           <a:p>
             <a:fld id="{96E9B245-2076-40CB-ACDE-D58775C98695}" type="datetimeFigureOut">
               <a:rPr lang="ko-KR" altLang="en-US" smtClean="0"/>
-              <a:t>2020-11-16</a:t>
+              <a:t>2020-11-22</a:t>
             </a:fld>
             <a:endParaRPr lang="ko-KR" altLang="en-US"/>
           </a:p>
@@ -861,7 +865,7 @@
           <a:p>
             <a:fld id="{96E9B245-2076-40CB-ACDE-D58775C98695}" type="datetimeFigureOut">
               <a:rPr lang="ko-KR" altLang="en-US" smtClean="0"/>
-              <a:t>2020-11-16</a:t>
+              <a:t>2020-11-22</a:t>
             </a:fld>
             <a:endParaRPr lang="ko-KR" altLang="en-US"/>
           </a:p>
@@ -1136,7 +1140,7 @@
           <a:p>
             <a:fld id="{96E9B245-2076-40CB-ACDE-D58775C98695}" type="datetimeFigureOut">
               <a:rPr lang="ko-KR" altLang="en-US" smtClean="0"/>
-              <a:t>2020-11-16</a:t>
+              <a:t>2020-11-22</a:t>
             </a:fld>
             <a:endParaRPr lang="ko-KR" altLang="en-US"/>
           </a:p>
@@ -1401,7 +1405,7 @@
           <a:p>
             <a:fld id="{96E9B245-2076-40CB-ACDE-D58775C98695}" type="datetimeFigureOut">
               <a:rPr lang="ko-KR" altLang="en-US" smtClean="0"/>
-              <a:t>2020-11-16</a:t>
+              <a:t>2020-11-22</a:t>
             </a:fld>
             <a:endParaRPr lang="ko-KR" altLang="en-US"/>
           </a:p>
@@ -1813,7 +1817,7 @@
           <a:p>
             <a:fld id="{96E9B245-2076-40CB-ACDE-D58775C98695}" type="datetimeFigureOut">
               <a:rPr lang="ko-KR" altLang="en-US" smtClean="0"/>
-              <a:t>2020-11-16</a:t>
+              <a:t>2020-11-22</a:t>
             </a:fld>
             <a:endParaRPr lang="ko-KR" altLang="en-US"/>
           </a:p>
@@ -1954,7 +1958,7 @@
           <a:p>
             <a:fld id="{96E9B245-2076-40CB-ACDE-D58775C98695}" type="datetimeFigureOut">
               <a:rPr lang="ko-KR" altLang="en-US" smtClean="0"/>
-              <a:t>2020-11-16</a:t>
+              <a:t>2020-11-22</a:t>
             </a:fld>
             <a:endParaRPr lang="ko-KR" altLang="en-US"/>
           </a:p>
@@ -2067,7 +2071,7 @@
           <a:p>
             <a:fld id="{96E9B245-2076-40CB-ACDE-D58775C98695}" type="datetimeFigureOut">
               <a:rPr lang="ko-KR" altLang="en-US" smtClean="0"/>
-              <a:t>2020-11-16</a:t>
+              <a:t>2020-11-22</a:t>
             </a:fld>
             <a:endParaRPr lang="ko-KR" altLang="en-US"/>
           </a:p>
@@ -2378,7 +2382,7 @@
           <a:p>
             <a:fld id="{96E9B245-2076-40CB-ACDE-D58775C98695}" type="datetimeFigureOut">
               <a:rPr lang="ko-KR" altLang="en-US" smtClean="0"/>
-              <a:t>2020-11-16</a:t>
+              <a:t>2020-11-22</a:t>
             </a:fld>
             <a:endParaRPr lang="ko-KR" altLang="en-US"/>
           </a:p>
@@ -2666,7 +2670,7 @@
           <a:p>
             <a:fld id="{96E9B245-2076-40CB-ACDE-D58775C98695}" type="datetimeFigureOut">
               <a:rPr lang="ko-KR" altLang="en-US" smtClean="0"/>
-              <a:t>2020-11-16</a:t>
+              <a:t>2020-11-22</a:t>
             </a:fld>
             <a:endParaRPr lang="ko-KR" altLang="en-US"/>
           </a:p>
@@ -2907,7 +2911,7 @@
           <a:p>
             <a:fld id="{96E9B245-2076-40CB-ACDE-D58775C98695}" type="datetimeFigureOut">
               <a:rPr lang="ko-KR" altLang="en-US" smtClean="0"/>
-              <a:t>2020-11-16</a:t>
+              <a:t>2020-11-22</a:t>
             </a:fld>
             <a:endParaRPr lang="ko-KR" altLang="en-US"/>
           </a:p>
@@ -4583,379 +4587,6 @@
         <p:spPr>
           <a:xfrm>
             <a:off x="270587" y="317240"/>
-            <a:ext cx="4839786" cy="461665"/>
-          </a:xfrm>
-          <a:prstGeom prst="rect">
-            <a:avLst/>
-          </a:prstGeom>
-          <a:noFill/>
-        </p:spPr>
-        <p:txBody>
-          <a:bodyPr wrap="none" rtlCol="0">
-            <a:spAutoFit/>
-          </a:bodyPr>
-          <a:lstStyle/>
-          <a:p>
-            <a:r>
-              <a:rPr lang="en-US" altLang="ko-KR" sz="2400" dirty="0">
-                <a:solidFill>
-                  <a:schemeClr val="tx1">
-                    <a:lumMod val="85000"/>
-                    <a:lumOff val="15000"/>
-                  </a:schemeClr>
-                </a:solidFill>
-                <a:latin typeface="HY헤드라인M" panose="02030600000101010101" pitchFamily="18" charset="-127"/>
-                <a:ea typeface="HY헤드라인M" panose="02030600000101010101" pitchFamily="18" charset="-127"/>
-              </a:rPr>
-              <a:t>2. </a:t>
-            </a:r>
-            <a:r>
-              <a:rPr lang="ko-KR" altLang="en-US" sz="2400" dirty="0">
-                <a:solidFill>
-                  <a:schemeClr val="tx1">
-                    <a:lumMod val="85000"/>
-                    <a:lumOff val="15000"/>
-                  </a:schemeClr>
-                </a:solidFill>
-                <a:latin typeface="HY헤드라인M" panose="02030600000101010101" pitchFamily="18" charset="-127"/>
-                <a:ea typeface="HY헤드라인M" panose="02030600000101010101" pitchFamily="18" charset="-127"/>
-              </a:rPr>
-              <a:t>웹 애플리케이션 컨셉 구상하기</a:t>
-            </a:r>
-          </a:p>
-        </p:txBody>
-      </p:sp>
-      <p:sp>
-        <p:nvSpPr>
-          <p:cNvPr id="10" name="TextBox 9">
-            <a:extLst>
-              <a:ext uri="{FF2B5EF4-FFF2-40B4-BE49-F238E27FC236}">
-                <a16:creationId xmlns:a16="http://schemas.microsoft.com/office/drawing/2014/main" id="{2C8970D1-2123-4299-92C0-214B44943EE8}"/>
-              </a:ext>
-            </a:extLst>
-          </p:cNvPr>
-          <p:cNvSpPr txBox="1"/>
-          <p:nvPr/>
-        </p:nvSpPr>
-        <p:spPr>
-          <a:xfrm>
-            <a:off x="376335" y="882666"/>
-            <a:ext cx="11439332" cy="338554"/>
-          </a:xfrm>
-          <a:prstGeom prst="rect">
-            <a:avLst/>
-          </a:prstGeom>
-          <a:noFill/>
-        </p:spPr>
-        <p:txBody>
-          <a:bodyPr wrap="square" rtlCol="0">
-            <a:spAutoFit/>
-          </a:bodyPr>
-          <a:lstStyle/>
-          <a:p>
-            <a:r>
-              <a:rPr lang="ko-KR" altLang="en-US" sz="1600" dirty="0">
-                <a:solidFill>
-                  <a:schemeClr val="tx1">
-                    <a:lumMod val="85000"/>
-                    <a:lumOff val="15000"/>
-                  </a:schemeClr>
-                </a:solidFill>
-                <a:latin typeface="+mn-ea"/>
-              </a:rPr>
-              <a:t>웹 어플리케이션 컨셉을 자유롭게 생각해보세요</a:t>
-            </a:r>
-            <a:r>
-              <a:rPr lang="en-US" altLang="ko-KR" sz="1600" dirty="0">
-                <a:solidFill>
-                  <a:schemeClr val="tx1">
-                    <a:lumMod val="85000"/>
-                    <a:lumOff val="15000"/>
-                  </a:schemeClr>
-                </a:solidFill>
-                <a:latin typeface="+mn-ea"/>
-              </a:rPr>
-              <a:t>. (</a:t>
-            </a:r>
-            <a:r>
-              <a:rPr lang="ko-KR" altLang="en-US" sz="1600" dirty="0">
-                <a:solidFill>
-                  <a:schemeClr val="tx1">
-                    <a:lumMod val="85000"/>
-                    <a:lumOff val="15000"/>
-                  </a:schemeClr>
-                </a:solidFill>
-                <a:latin typeface="+mn-ea"/>
-              </a:rPr>
-              <a:t>상세하게 작성할수록 좋아요</a:t>
-            </a:r>
-            <a:r>
-              <a:rPr lang="en-US" altLang="ko-KR" sz="1600" dirty="0">
-                <a:solidFill>
-                  <a:schemeClr val="tx1">
-                    <a:lumMod val="85000"/>
-                    <a:lumOff val="15000"/>
-                  </a:schemeClr>
-                </a:solidFill>
-                <a:latin typeface="+mn-ea"/>
-              </a:rPr>
-              <a:t>.)</a:t>
-            </a:r>
-            <a:endParaRPr lang="ko-KR" altLang="en-US" sz="1600" dirty="0">
-              <a:solidFill>
-                <a:schemeClr val="tx1">
-                  <a:lumMod val="85000"/>
-                  <a:lumOff val="15000"/>
-                </a:schemeClr>
-              </a:solidFill>
-              <a:latin typeface="+mn-ea"/>
-            </a:endParaRPr>
-          </a:p>
-        </p:txBody>
-      </p:sp>
-      <p:pic>
-        <p:nvPicPr>
-          <p:cNvPr id="3" name="그림 2">
-            <a:extLst>
-              <a:ext uri="{FF2B5EF4-FFF2-40B4-BE49-F238E27FC236}">
-                <a16:creationId xmlns:a16="http://schemas.microsoft.com/office/drawing/2014/main" id="{77CEEC37-4B46-441C-806A-B22680781148}"/>
-              </a:ext>
-            </a:extLst>
-          </p:cNvPr>
-          <p:cNvPicPr>
-            <a:picLocks noChangeAspect="1"/>
-          </p:cNvPicPr>
-          <p:nvPr/>
-        </p:nvPicPr>
-        <p:blipFill>
-          <a:blip r:embed="rId2"/>
-          <a:stretch>
-            <a:fillRect/>
-          </a:stretch>
-        </p:blipFill>
-        <p:spPr>
-          <a:xfrm>
-            <a:off x="471553" y="1482228"/>
-            <a:ext cx="3981563" cy="4629323"/>
-          </a:xfrm>
-          <a:prstGeom prst="rect">
-            <a:avLst/>
-          </a:prstGeom>
-        </p:spPr>
-      </p:pic>
-      <p:sp>
-        <p:nvSpPr>
-          <p:cNvPr id="4" name="TextBox 3">
-            <a:extLst>
-              <a:ext uri="{FF2B5EF4-FFF2-40B4-BE49-F238E27FC236}">
-                <a16:creationId xmlns:a16="http://schemas.microsoft.com/office/drawing/2014/main" id="{E4187A56-DEAC-4A3C-A47E-FA4AD926FF1F}"/>
-              </a:ext>
-            </a:extLst>
-          </p:cNvPr>
-          <p:cNvSpPr txBox="1"/>
-          <p:nvPr/>
-        </p:nvSpPr>
-        <p:spPr>
-          <a:xfrm>
-            <a:off x="1904052" y="6288202"/>
-            <a:ext cx="1116563" cy="338554"/>
-          </a:xfrm>
-          <a:prstGeom prst="rect">
-            <a:avLst/>
-          </a:prstGeom>
-          <a:noFill/>
-        </p:spPr>
-        <p:txBody>
-          <a:bodyPr wrap="square" rtlCol="0">
-            <a:spAutoFit/>
-          </a:bodyPr>
-          <a:lstStyle/>
-          <a:p>
-            <a:r>
-              <a:rPr lang="ko-KR" altLang="en-US" sz="1600" dirty="0">
-                <a:solidFill>
-                  <a:schemeClr val="tx1">
-                    <a:lumMod val="85000"/>
-                    <a:lumOff val="15000"/>
-                  </a:schemeClr>
-                </a:solidFill>
-                <a:latin typeface="+mn-ea"/>
-              </a:rPr>
-              <a:t>컨셉 예시</a:t>
-            </a:r>
-          </a:p>
-        </p:txBody>
-      </p:sp>
-      <p:sp>
-        <p:nvSpPr>
-          <p:cNvPr id="5" name="직사각형 4">
-            <a:extLst>
-              <a:ext uri="{FF2B5EF4-FFF2-40B4-BE49-F238E27FC236}">
-                <a16:creationId xmlns:a16="http://schemas.microsoft.com/office/drawing/2014/main" id="{A58BCCF3-E8AF-42B0-A84B-60219650C0A0}"/>
-              </a:ext>
-            </a:extLst>
-          </p:cNvPr>
-          <p:cNvSpPr/>
-          <p:nvPr/>
-        </p:nvSpPr>
-        <p:spPr>
-          <a:xfrm>
-            <a:off x="4935894" y="1482228"/>
-            <a:ext cx="6784553" cy="5058532"/>
-          </a:xfrm>
-          <a:prstGeom prst="rect">
-            <a:avLst/>
-          </a:prstGeom>
-          <a:noFill/>
-          <a:ln w="38100">
-            <a:solidFill>
-              <a:schemeClr val="accent5"/>
-            </a:solidFill>
-          </a:ln>
-        </p:spPr>
-        <p:style>
-          <a:lnRef idx="2">
-            <a:schemeClr val="accent1">
-              <a:shade val="50000"/>
-            </a:schemeClr>
-          </a:lnRef>
-          <a:fillRef idx="1">
-            <a:schemeClr val="accent1"/>
-          </a:fillRef>
-          <a:effectRef idx="0">
-            <a:schemeClr val="accent1"/>
-          </a:effectRef>
-          <a:fontRef idx="minor">
-            <a:schemeClr val="lt1"/>
-          </a:fontRef>
-        </p:style>
-        <p:txBody>
-          <a:bodyPr rtlCol="0" anchor="ctr"/>
-          <a:lstStyle/>
-          <a:p>
-            <a:pPr algn="ctr"/>
-            <a:endParaRPr lang="ko-KR" altLang="en-US">
-              <a:solidFill>
-                <a:schemeClr val="accent1"/>
-              </a:solidFill>
-            </a:endParaRPr>
-          </a:p>
-        </p:txBody>
-      </p:sp>
-      <p:sp>
-        <p:nvSpPr>
-          <p:cNvPr id="7" name="TextBox 6">
-            <a:extLst>
-              <a:ext uri="{FF2B5EF4-FFF2-40B4-BE49-F238E27FC236}">
-                <a16:creationId xmlns:a16="http://schemas.microsoft.com/office/drawing/2014/main" id="{B42928C6-37CF-4D60-B863-C64279CA55A7}"/>
-              </a:ext>
-            </a:extLst>
-          </p:cNvPr>
-          <p:cNvSpPr txBox="1"/>
-          <p:nvPr/>
-        </p:nvSpPr>
-        <p:spPr>
-          <a:xfrm>
-            <a:off x="4935894" y="1581539"/>
-            <a:ext cx="6784553" cy="338554"/>
-          </a:xfrm>
-          <a:prstGeom prst="rect">
-            <a:avLst/>
-          </a:prstGeom>
-          <a:noFill/>
-        </p:spPr>
-        <p:txBody>
-          <a:bodyPr wrap="square" rtlCol="0">
-            <a:spAutoFit/>
-          </a:bodyPr>
-          <a:lstStyle/>
-          <a:p>
-            <a:r>
-              <a:rPr lang="ko-KR" altLang="en-US" sz="1600" dirty="0">
-                <a:solidFill>
-                  <a:schemeClr val="bg2">
-                    <a:lumMod val="90000"/>
-                  </a:schemeClr>
-                </a:solidFill>
-                <a:latin typeface="+mn-ea"/>
-              </a:rPr>
-              <a:t>여기에 자유롭게 컨셉을 그려보세요</a:t>
-            </a:r>
-            <a:r>
-              <a:rPr lang="en-US" altLang="ko-KR" sz="1600" dirty="0">
-                <a:solidFill>
-                  <a:schemeClr val="bg2">
-                    <a:lumMod val="90000"/>
-                  </a:schemeClr>
-                </a:solidFill>
-                <a:latin typeface="+mn-ea"/>
-              </a:rPr>
-              <a:t>..</a:t>
-            </a:r>
-            <a:endParaRPr lang="ko-KR" altLang="en-US" sz="1600" dirty="0">
-              <a:solidFill>
-                <a:schemeClr val="bg2">
-                  <a:lumMod val="90000"/>
-                </a:schemeClr>
-              </a:solidFill>
-              <a:latin typeface="+mn-ea"/>
-            </a:endParaRPr>
-          </a:p>
-        </p:txBody>
-      </p:sp>
-    </p:spTree>
-    <p:extLst>
-      <p:ext uri="{BB962C8B-B14F-4D97-AF65-F5344CB8AC3E}">
-        <p14:creationId xmlns:p14="http://schemas.microsoft.com/office/powerpoint/2010/main" val="2425995632"/>
-      </p:ext>
-    </p:extLst>
-  </p:cSld>
-  <p:clrMapOvr>
-    <a:masterClrMapping/>
-  </p:clrMapOvr>
-</p:sld>
-</file>
-
-<file path=ppt/slides/slide4.xml><?xml version="1.0" encoding="utf-8"?>
-<p:sld xmlns:a="http://schemas.openxmlformats.org/drawingml/2006/main" xmlns:r="http://schemas.openxmlformats.org/officeDocument/2006/relationships" xmlns:p="http://schemas.openxmlformats.org/presentationml/2006/main">
-  <p:cSld>
-    <p:bg>
-      <p:bgPr>
-        <a:solidFill>
-          <a:schemeClr val="bg1"/>
-        </a:solidFill>
-        <a:effectLst/>
-      </p:bgPr>
-    </p:bg>
-    <p:spTree>
-      <p:nvGrpSpPr>
-        <p:cNvPr id="1" name=""/>
-        <p:cNvGrpSpPr/>
-        <p:nvPr/>
-      </p:nvGrpSpPr>
-      <p:grpSpPr>
-        <a:xfrm>
-          <a:off x="0" y="0"/>
-          <a:ext cx="0" cy="0"/>
-          <a:chOff x="0" y="0"/>
-          <a:chExt cx="0" cy="0"/>
-        </a:xfrm>
-      </p:grpSpPr>
-      <p:sp>
-        <p:nvSpPr>
-          <p:cNvPr id="8" name="TextBox 7">
-            <a:extLst>
-              <a:ext uri="{FF2B5EF4-FFF2-40B4-BE49-F238E27FC236}">
-                <a16:creationId xmlns:a16="http://schemas.microsoft.com/office/drawing/2014/main" id="{351F780C-4680-4C7D-868D-1B6A9DA00B13}"/>
-              </a:ext>
-            </a:extLst>
-          </p:cNvPr>
-          <p:cNvSpPr txBox="1"/>
-          <p:nvPr/>
-        </p:nvSpPr>
-        <p:spPr>
-          <a:xfrm>
-            <a:off x="270587" y="317240"/>
             <a:ext cx="5557932" cy="461665"/>
           </a:xfrm>
           <a:prstGeom prst="rect">
@@ -4980,7 +4611,7 @@
                 <a:latin typeface="HY헤드라인M" panose="02030600000101010101" pitchFamily="18" charset="-127"/>
                 <a:ea typeface="HY헤드라인M" panose="02030600000101010101" pitchFamily="18" charset="-127"/>
               </a:rPr>
-              <a:t>3. </a:t>
+              <a:t>2. </a:t>
             </a:r>
             <a:r>
               <a:rPr lang="ko-KR" altLang="en-US" sz="2400" dirty="0">
@@ -5013,7 +4644,7 @@
         <p:spPr>
           <a:xfrm>
             <a:off x="376335" y="1077942"/>
-            <a:ext cx="11439332" cy="1815882"/>
+            <a:ext cx="11439332" cy="1077218"/>
           </a:xfrm>
           <a:prstGeom prst="rect">
             <a:avLst/>
@@ -5117,7 +4748,7 @@
                 </a:solidFill>
                 <a:latin typeface="+mn-ea"/>
               </a:rPr>
-              <a:t>무엇은 하는 이미지 분류 모델인가요</a:t>
+              <a:t>생성한 모델에 대해서 설명하세요</a:t>
             </a:r>
             <a:r>
               <a:rPr lang="en-US" altLang="ko-KR" sz="1600" dirty="0">
@@ -5129,76 +4760,7 @@
                 </a:solidFill>
                 <a:latin typeface="+mn-ea"/>
               </a:rPr>
-              <a:t>?</a:t>
-            </a:r>
-            <a:br>
-              <a:rPr lang="en-US" altLang="ko-KR" sz="1600" dirty="0">
-                <a:solidFill>
-                  <a:schemeClr val="tx1">
-                    <a:lumMod val="85000"/>
-                    <a:lumOff val="15000"/>
-                  </a:schemeClr>
-                </a:solidFill>
-                <a:latin typeface="+mn-ea"/>
-              </a:rPr>
-            </a:br>
-            <a:br>
-              <a:rPr lang="en-US" altLang="ko-KR" sz="1600" dirty="0">
-                <a:solidFill>
-                  <a:schemeClr val="tx1">
-                    <a:lumMod val="85000"/>
-                    <a:lumOff val="15000"/>
-                  </a:schemeClr>
-                </a:solidFill>
-                <a:latin typeface="+mn-ea"/>
-              </a:rPr>
-            </a:br>
-            <a:br>
-              <a:rPr lang="en-US" altLang="ko-KR" sz="1600" dirty="0">
-                <a:solidFill>
-                  <a:schemeClr val="tx1">
-                    <a:lumMod val="85000"/>
-                    <a:lumOff val="15000"/>
-                  </a:schemeClr>
-                </a:solidFill>
-                <a:latin typeface="+mn-ea"/>
-              </a:rPr>
-            </a:br>
-            <a:r>
-              <a:rPr lang="en-US" altLang="ko-KR" sz="1600" dirty="0">
-                <a:solidFill>
-                  <a:schemeClr val="tx1">
-                    <a:lumMod val="85000"/>
-                    <a:lumOff val="15000"/>
-                  </a:schemeClr>
-                </a:solidFill>
-                <a:latin typeface="+mn-ea"/>
-              </a:rPr>
-              <a:t>3. </a:t>
-            </a:r>
-            <a:r>
-              <a:rPr lang="ko-KR" altLang="en-US" sz="1600" dirty="0">
-                <a:solidFill>
-                  <a:schemeClr val="tx1">
-                    <a:lumMod val="85000"/>
-                    <a:lumOff val="15000"/>
-                  </a:schemeClr>
-                </a:solidFill>
-                <a:latin typeface="+mn-ea"/>
-              </a:rPr>
-              <a:t>모델을 이용하여 웹 애플리케이션은 무엇은 하나요</a:t>
-            </a:r>
-            <a:r>
-              <a:rPr lang="en-US" altLang="ko-KR" sz="1600" dirty="0">
-                <a:solidFill>
-                  <a:schemeClr val="tx1">
-                    <a:lumMod val="85000"/>
-                    <a:lumOff val="15000"/>
-                  </a:schemeClr>
-                </a:solidFill>
-                <a:latin typeface="+mn-ea"/>
-              </a:rPr>
-              <a:t>?</a:t>
+              <a:t>.</a:t>
             </a:r>
             <a:endParaRPr lang="ko-KR" altLang="en-US" sz="1600" dirty="0">
               <a:solidFill>
@@ -5251,7 +4813,33 @@
                 <a:latin typeface="HY헤드라인M" panose="02030600000101010101" pitchFamily="18" charset="-127"/>
                 <a:ea typeface="HY헤드라인M" panose="02030600000101010101" pitchFamily="18" charset="-127"/>
               </a:rPr>
-              <a:t>4. GitHub </a:t>
+              <a:t>3</a:t>
+            </a:r>
+            <a:r>
+              <a:rPr lang="en-US" altLang="ko-KR" sz="2400">
+                <a:solidFill>
+                  <a:schemeClr val="tx1">
+                    <a:lumMod val="85000"/>
+                    <a:lumOff val="15000"/>
+                  </a:schemeClr>
+                </a:solidFill>
+                <a:latin typeface="HY헤드라인M" panose="02030600000101010101" pitchFamily="18" charset="-127"/>
+                <a:ea typeface="HY헤드라인M" panose="02030600000101010101" pitchFamily="18" charset="-127"/>
+              </a:rPr>
+              <a:t>. </a:t>
+            </a:r>
+            <a:r>
+              <a:rPr lang="en-US" altLang="ko-KR" sz="2400" dirty="0">
+                <a:solidFill>
+                  <a:schemeClr val="tx1">
+                    <a:lumMod val="85000"/>
+                    <a:lumOff val="15000"/>
+                  </a:schemeClr>
+                </a:solidFill>
+                <a:latin typeface="HY헤드라인M" panose="02030600000101010101" pitchFamily="18" charset="-127"/>
+                <a:ea typeface="HY헤드라인M" panose="02030600000101010101" pitchFamily="18" charset="-127"/>
+              </a:rPr>
+              <a:t>GitHub </a:t>
             </a:r>
             <a:r>
               <a:rPr lang="ko-KR" altLang="en-US" sz="2400" dirty="0">
